--- a/RFM_PROJECT/RFM CLUSTERING ON ONLINE RETAIL LISTING.pptx
+++ b/RFM_PROJECT/RFM CLUSTERING ON ONLINE RETAIL LISTING.pptx
@@ -10853,6 +10853,76 @@
           <a:lstStyle/>
           <a:p>
             <a:endParaRPr lang="en-US" dirty="0"/>
+          </a:p>
+        </p:txBody>
+      </p:sp>
+      <p:sp>
+        <p:nvSpPr>
+          <p:cNvPr id="7" name="TextBox 6">
+            <a:extLst>
+              <a:ext uri="{FF2B5EF4-FFF2-40B4-BE49-F238E27FC236}">
+                <a16:creationId xmlns:a16="http://schemas.microsoft.com/office/drawing/2014/main" id="{47C0814E-2E5A-7E73-1117-C38B5B191A08}"/>
+              </a:ext>
+            </a:extLst>
+          </p:cNvPr>
+          <p:cNvSpPr txBox="1"/>
+          <p:nvPr/>
+        </p:nvSpPr>
+        <p:spPr>
+          <a:xfrm>
+            <a:off x="1167618" y="4135902"/>
+            <a:ext cx="10199077" cy="1754326"/>
+          </a:xfrm>
+          <a:prstGeom prst="rect">
+            <a:avLst/>
+          </a:prstGeom>
+          <a:noFill/>
+        </p:spPr>
+        <p:txBody>
+          <a:bodyPr wrap="square" rtlCol="0">
+            <a:spAutoFit/>
+          </a:bodyPr>
+          <a:lstStyle/>
+          <a:p>
+            <a:r>
+              <a:rPr lang="en-US" dirty="0"/>
+              <a:t>File to Download:</a:t>
+            </a:r>
+          </a:p>
+          <a:p>
+            <a:endParaRPr lang="en-US" dirty="0"/>
+          </a:p>
+          <a:p>
+            <a:r>
+              <a:rPr lang="en-US" dirty="0">
+                <a:hlinkClick r:id="rId2"/>
+              </a:rPr>
+              <a:t>https://github.com/MBAHTAWOONS/RFM_UNSUPERVISED_ONLINE_RETAIL</a:t>
+            </a:r>
+            <a:endParaRPr lang="en-US" dirty="0"/>
+          </a:p>
+          <a:p>
+            <a:endParaRPr lang="en-US" dirty="0"/>
+          </a:p>
+          <a:p>
+            <a:r>
+              <a:rPr lang="en-US" dirty="0"/>
+              <a:t>Explore with </a:t>
+            </a:r>
+            <a:r>
+              <a:rPr lang="en-US" dirty="0" err="1"/>
+              <a:t>Streamlit</a:t>
+            </a:r>
+            <a:r>
+              <a:rPr lang="en-US" dirty="0"/>
+              <a:t>:</a:t>
+            </a:r>
+          </a:p>
+          <a:p>
+            <a:r>
+              <a:rPr lang="en-US" dirty="0"/>
+              <a:t>-</a:t>
+            </a:r>
           </a:p>
         </p:txBody>
       </p:sp>
